--- a/Analisi del dataset.pptx
+++ b/Analisi del dataset.pptx
@@ -2349,7 +2349,7 @@
           <a:p>
             <a:pPr rtl="0"/>
             <a:r>
-              <a:rPr lang="it-IT"/>
+              <a:rPr lang="it-IT" dirty="0"/>
               <a:t>Fare clic sull'icona per inserire un'immagine</a:t>
             </a:r>
           </a:p>
@@ -3016,7 +3016,7 @@
           <a:p>
             <a:pPr rtl="0"/>
             <a:r>
-              <a:rPr lang="it-IT"/>
+              <a:rPr lang="it-IT" dirty="0"/>
               <a:t>Fare clic sull'icona per inserire una tabella</a:t>
             </a:r>
           </a:p>
@@ -3916,7 +3916,7 @@
           <a:p>
             <a:pPr rtl="0"/>
             <a:r>
-              <a:rPr lang="it-IT"/>
+              <a:rPr lang="it-IT" dirty="0"/>
               <a:t>Fare clic sull'icona per inserire una tabella</a:t>
             </a:r>
           </a:p>
@@ -6165,7 +6165,7 @@
           <a:p>
             <a:pPr rtl="0"/>
             <a:r>
-              <a:rPr lang="it-IT"/>
+              <a:rPr lang="it-IT" dirty="0"/>
               <a:t>Fare clic sull'icona per inserire un'immagine</a:t>
             </a:r>
           </a:p>
@@ -10740,7 +10740,7 @@
         </p:nvSpPr>
         <p:spPr>
           <a:xfrm>
-            <a:off x="0" y="304799"/>
+            <a:off x="3" y="990599"/>
             <a:ext cx="12191998" cy="3215641"/>
           </a:xfrm>
         </p:spPr>
@@ -10755,7 +10755,7 @@
             <a:pPr rtl="0"/>
             <a:r>
               <a:rPr lang="it-IT" dirty="0"/>
-              <a:t>Analisi del dataset</a:t>
+              <a:t>Analisi del dataset breast cancer wisconsin</a:t>
             </a:r>
           </a:p>
         </p:txBody>
@@ -10778,8 +10778,8 @@
         </p:nvSpPr>
         <p:spPr>
           <a:xfrm>
-            <a:off x="3" y="3670628"/>
-            <a:ext cx="12191997" cy="2577772"/>
+            <a:off x="4" y="4318782"/>
+            <a:ext cx="12191997" cy="535612"/>
           </a:xfrm>
         </p:spPr>
         <p:txBody>
@@ -10792,26 +10792,9 @@
           <a:p>
             <a:pPr rtl="0"/>
             <a:r>
-              <a:rPr lang="it-IT" dirty="0" err="1"/>
-              <a:t>Breast</a:t>
+              <a:rPr lang="it-IT" sz="2000" dirty="0"/>
+              <a:t>Agnese belloni – luca martegani – daniele vanzan</a:t>
             </a:r>
-            <a:r>
-              <a:rPr lang="it-IT" dirty="0"/>
-              <a:t> </a:t>
-            </a:r>
-            <a:r>
-              <a:rPr lang="it-IT" dirty="0" err="1"/>
-              <a:t>cancer</a:t>
-            </a:r>
-            <a:r>
-              <a:rPr lang="it-IT" dirty="0"/>
-              <a:t> </a:t>
-            </a:r>
-            <a:r>
-              <a:rPr lang="it-IT" dirty="0" err="1"/>
-              <a:t>wisconsin</a:t>
-            </a:r>
-            <a:endParaRPr lang="it-IT" dirty="0"/>
           </a:p>
         </p:txBody>
       </p:sp>
@@ -10879,18 +10862,9 @@
           <a:p>
             <a:pPr rtl="0"/>
             <a:r>
-              <a:rPr lang="it-IT" dirty="0" err="1"/>
-              <a:t>shap</a:t>
+              <a:rPr lang="it-IT" dirty="0"/>
+              <a:t>shap method</a:t>
             </a:r>
-            <a:r>
-              <a:rPr lang="it-IT" dirty="0"/>
-              <a:t> </a:t>
-            </a:r>
-            <a:r>
-              <a:rPr lang="it-IT" dirty="0" err="1"/>
-              <a:t>method</a:t>
-            </a:r>
-            <a:endParaRPr lang="it-IT" dirty="0"/>
           </a:p>
         </p:txBody>
       </p:sp>
@@ -10958,7 +10932,7 @@
         </p:nvSpPr>
         <p:spPr>
           <a:xfrm>
-            <a:off x="4927599" y="3131305"/>
+            <a:off x="4927599" y="3350773"/>
             <a:ext cx="6315069" cy="3057987"/>
           </a:xfrm>
         </p:spPr>
@@ -11174,7 +11148,7 @@
               </a:pPr>
               <a:t>10</a:t>
             </a:fld>
-            <a:endParaRPr lang="it-IT"/>
+            <a:endParaRPr lang="it-IT" dirty="0"/>
           </a:p>
         </p:txBody>
       </p:sp>
@@ -11194,8 +11168,8 @@
         </p:nvSpPr>
         <p:spPr>
           <a:xfrm>
-            <a:off x="4927600" y="2345224"/>
-            <a:ext cx="6315069" cy="656492"/>
+            <a:off x="4927598" y="2200350"/>
+            <a:ext cx="6315069" cy="967860"/>
           </a:xfrm>
           <a:prstGeom prst="rect">
             <a:avLst/>
@@ -11396,63 +11370,7 @@
           <a:p>
             <a:r>
               <a:rPr lang="en-US" dirty="0"/>
-              <a:t>Le </a:t>
-            </a:r>
-            <a:r>
-              <a:rPr lang="en-US" dirty="0" err="1"/>
-              <a:t>variabili</a:t>
-            </a:r>
-            <a:r>
-              <a:rPr lang="en-US" dirty="0"/>
-              <a:t> significative all’80% con influenza </a:t>
-            </a:r>
-            <a:r>
-              <a:rPr lang="en-US" dirty="0" err="1"/>
-              <a:t>sulle</a:t>
-            </a:r>
-            <a:r>
-              <a:rPr lang="en-US" dirty="0"/>
-              <a:t> </a:t>
-            </a:r>
-            <a:r>
-              <a:rPr lang="en-US" dirty="0" err="1"/>
-              <a:t>decisioni</a:t>
-            </a:r>
-            <a:r>
-              <a:rPr lang="en-US" dirty="0"/>
-              <a:t> del </a:t>
-            </a:r>
-            <a:r>
-              <a:rPr lang="en-US" dirty="0" err="1"/>
-              <a:t>modello</a:t>
-            </a:r>
-            <a:r>
-              <a:rPr lang="en-US" dirty="0"/>
-              <a:t> </a:t>
-            </a:r>
-            <a:r>
-              <a:rPr lang="en-US" dirty="0" err="1"/>
-              <a:t>XGBoost</a:t>
-            </a:r>
-            <a:r>
-              <a:rPr lang="en-US" dirty="0"/>
-              <a:t> </a:t>
-            </a:r>
-            <a:r>
-              <a:rPr lang="en-US" dirty="0" err="1"/>
-              <a:t>sono</a:t>
-            </a:r>
-            <a:r>
-              <a:rPr lang="en-US" dirty="0"/>
-              <a:t> le </a:t>
-            </a:r>
-            <a:r>
-              <a:rPr lang="en-US" dirty="0" err="1"/>
-              <a:t>seguenti</a:t>
-            </a:r>
-            <a:r>
-              <a:rPr lang="en-US" dirty="0"/>
-              <a:t>:</a:t>
+              <a:t>Le variabili significative all’80% con influenzano maggiormente la variabile target, tramite modello XGBoost sono le seguenti:</a:t>
             </a:r>
           </a:p>
           <a:p>
@@ -11523,13 +11441,8 @@
             <a:pPr rtl="0"/>
             <a:r>
               <a:rPr lang="it-IT" dirty="0"/>
-              <a:t>Modelli surrogati con </a:t>
+              <a:t>Modelli surrogati con statmodels</a:t>
             </a:r>
-            <a:r>
-              <a:rPr lang="it-IT" dirty="0" err="1"/>
-              <a:t>statmodels</a:t>
-            </a:r>
-            <a:endParaRPr lang="it-IT" dirty="0"/>
           </a:p>
         </p:txBody>
       </p:sp>
@@ -11573,31 +11486,7 @@
             <a:pPr rtl="0"/>
             <a:r>
               <a:rPr lang="it-IT" dirty="0"/>
-              <a:t>Con la libreria </a:t>
-            </a:r>
-            <a:r>
-              <a:rPr lang="it-IT" dirty="0" err="1"/>
-              <a:t>statmodels</a:t>
-            </a:r>
-            <a:r>
-              <a:rPr lang="it-IT" dirty="0"/>
-              <a:t>, utile per calcolare il p-</a:t>
-            </a:r>
-            <a:r>
-              <a:rPr lang="it-IT" dirty="0" err="1"/>
-              <a:t>value</a:t>
-            </a:r>
-            <a:r>
-              <a:rPr lang="it-IT" dirty="0"/>
-              <a:t> sulla significatività dei coefficienti, non è possibile invertire la matrice X, </a:t>
-            </a:r>
-            <a:r>
-              <a:rPr lang="it-IT" dirty="0" err="1"/>
-              <a:t>perchè</a:t>
-            </a:r>
-            <a:r>
-              <a:rPr lang="it-IT" dirty="0"/>
-              <a:t> è una matrice singolare (con rango diverso del numero di colonne), questo è dovuto alla multicollinearità tra le variabili</a:t>
+              <a:t>Con la libreria statmodels, utile per calcolare il p-value sulla significatività dei coefficienti, non è possibile invertire la matrice X, perchè è una matrice singolare (con rango diverso del numero di colonne), questo è dovuto alla multicollinearità tra le variabili</a:t>
             </a:r>
           </a:p>
         </p:txBody>
@@ -11829,7 +11718,7 @@
               </a:pPr>
               <a:t>12</a:t>
             </a:fld>
-            <a:endParaRPr lang="it-IT"/>
+            <a:endParaRPr lang="it-IT" dirty="0"/>
           </a:p>
         </p:txBody>
       </p:sp>
@@ -12188,7 +12077,7 @@
               </a:pPr>
               <a:t>3</a:t>
             </a:fld>
-            <a:endParaRPr lang="it-IT"/>
+            <a:endParaRPr lang="it-IT" dirty="0"/>
           </a:p>
         </p:txBody>
       </p:sp>
@@ -12319,7 +12208,7 @@
           <a:p>
             <a:pPr rtl="0"/>
             <a:r>
-              <a:rPr lang="it-IT"/>
+              <a:rPr lang="it-IT" dirty="0"/>
               <a:t>Correlazioni con la variabile target</a:t>
             </a:r>
           </a:p>
@@ -12362,15 +12251,6 @@
           <a:solidFill>
             <a:srgbClr val="FFFFFF"/>
           </a:solidFill>
-          <a:extLst>
-            <a:ext uri="{909E8E84-426E-40DD-AFC4-6F175D3DCCD1}">
-              <a14:hiddenFill xmlns:a14="http://schemas.microsoft.com/office/drawing/2010/main">
-                <a:solidFill>
-                  <a:srgbClr val="FFFFFF"/>
-                </a:solidFill>
-              </a14:hiddenFill>
-            </a:ext>
-          </a:extLst>
         </p:spPr>
       </p:pic>
       <p:sp>
@@ -12564,15 +12444,6 @@
           <a:solidFill>
             <a:srgbClr val="FFFFFF"/>
           </a:solidFill>
-          <a:extLst>
-            <a:ext uri="{909E8E84-426E-40DD-AFC4-6F175D3DCCD1}">
-              <a14:hiddenFill xmlns:a14="http://schemas.microsoft.com/office/drawing/2010/main">
-                <a:solidFill>
-                  <a:srgbClr val="FFFFFF"/>
-                </a:solidFill>
-              </a14:hiddenFill>
-            </a:ext>
-          </a:extLst>
         </p:spPr>
       </p:pic>
       <p:sp>
@@ -13809,10 +13680,9 @@
           <a:p>
             <a:pPr lvl="0" rtl="0"/>
             <a:r>
-              <a:rPr lang="it-IT" noProof="0" dirty="0" err="1"/>
+              <a:rPr lang="it-IT" noProof="0" dirty="0"/>
               <a:t>svm</a:t>
             </a:r>
-            <a:endParaRPr lang="it-IT" noProof="0" dirty="0"/>
           </a:p>
         </p:txBody>
       </p:sp>
@@ -15521,10 +15391,9 @@
           <a:p>
             <a:pPr lvl="0" rtl="0"/>
             <a:r>
-              <a:rPr lang="it-IT" noProof="0" dirty="0" err="1"/>
+              <a:rPr lang="it-IT" noProof="0" dirty="0"/>
               <a:t>xgboost</a:t>
             </a:r>
-            <a:endParaRPr lang="it-IT" noProof="0" dirty="0"/>
           </a:p>
         </p:txBody>
       </p:sp>
@@ -17353,6 +17222,15 @@
 </file>
 
 <file path=customXml/item1.xml><?xml version="1.0" encoding="utf-8"?>
+<?mso-contentType ?>
+<FormTemplates xmlns="http://schemas.microsoft.com/sharepoint/v3/contenttype/forms">
+  <Display>DocumentLibraryForm</Display>
+  <Edit>DocumentLibraryForm</Edit>
+  <New>DocumentLibraryForm</New>
+</FormTemplates>
+</file>
+
+<file path=customXml/item2.xml><?xml version="1.0" encoding="utf-8"?>
 <p:properties xmlns:p="http://schemas.microsoft.com/office/2006/metadata/properties" xmlns:xsi="http://www.w3.org/2001/XMLSchema-instance" xmlns:pc="http://schemas.microsoft.com/office/infopath/2007/PartnerControls">
   <documentManagement>
     <_ip_UnifiedCompliancePolicyUIAction xmlns="http://schemas.microsoft.com/sharepoint/v3" xsi:nil="true"/>
@@ -17370,15 +17248,6 @@
     <MediaServiceKeyPoints xmlns="71af3243-3dd4-4a8d-8c0d-dd76da1f02a5" xsi:nil="true"/>
   </documentManagement>
 </p:properties>
-</file>
-
-<file path=customXml/item2.xml><?xml version="1.0" encoding="utf-8"?>
-<?mso-contentType ?>
-<FormTemplates xmlns="http://schemas.microsoft.com/sharepoint/v3/contenttype/forms">
-  <Display>DocumentLibraryForm</Display>
-  <Edit>DocumentLibraryForm</Edit>
-  <New>DocumentLibraryForm</New>
-</FormTemplates>
 </file>
 
 <file path=customXml/item3.xml><?xml version="1.0" encoding="utf-8"?>
@@ -17694,6 +17563,14 @@
 </file>
 
 <file path=customXml/itemProps1.xml><?xml version="1.0" encoding="utf-8"?>
+<ds:datastoreItem xmlns:ds="http://schemas.openxmlformats.org/officeDocument/2006/customXml" ds:itemID="{44137456-21FC-4AE2-8A94-BF06CAF2EB9B}">
+  <ds:schemaRefs>
+    <ds:schemaRef ds:uri="http://schemas.microsoft.com/sharepoint/v3/contenttype/forms"/>
+  </ds:schemaRefs>
+</ds:datastoreItem>
+</file>
+
+<file path=customXml/itemProps2.xml><?xml version="1.0" encoding="utf-8"?>
 <ds:datastoreItem xmlns:ds="http://schemas.openxmlformats.org/officeDocument/2006/customXml" ds:itemID="{E305301E-11B3-4B9D-A588-21F3C9809371}">
   <ds:schemaRefs>
     <ds:schemaRef ds:uri="http://schemas.microsoft.com/office/2006/metadata/properties"/>
@@ -17701,14 +17578,6 @@
     <ds:schemaRef ds:uri="http://schemas.microsoft.com/sharepoint/v3"/>
     <ds:schemaRef ds:uri="71af3243-3dd4-4a8d-8c0d-dd76da1f02a5"/>
     <ds:schemaRef ds:uri="230e9df3-be65-4c73-a93b-d1236ebd677e"/>
-  </ds:schemaRefs>
-</ds:datastoreItem>
-</file>
-
-<file path=customXml/itemProps2.xml><?xml version="1.0" encoding="utf-8"?>
-<ds:datastoreItem xmlns:ds="http://schemas.openxmlformats.org/officeDocument/2006/customXml" ds:itemID="{44137456-21FC-4AE2-8A94-BF06CAF2EB9B}">
-  <ds:schemaRefs>
-    <ds:schemaRef ds:uri="http://schemas.microsoft.com/sharepoint/v3/contenttype/forms"/>
   </ds:schemaRefs>
 </ds:datastoreItem>
 </file>
